--- a/Project/20150713-Presentation.pptx
+++ b/Project/20150713-Presentation.pptx
@@ -5612,14 +5612,13 @@
             </a:r>
           </a:p>
           <a:p>
-            <a:pPr lvl="1"/>
             <a:r>
               <a:rPr lang="en-US" dirty="0" smtClean="0"/>
               <a:t>Find a pathway and collection of demographic variables for features</a:t>
             </a:r>
           </a:p>
           <a:p>
-            <a:pPr lvl="2"/>
+            <a:pPr lvl="1"/>
             <a:r>
               <a:rPr lang="en-US" dirty="0" smtClean="0"/>
               <a:t>Race + SES </a:t>
@@ -5644,7 +5643,7 @@
             </a:r>
           </a:p>
           <a:p>
-            <a:pPr lvl="2"/>
+            <a:pPr lvl="1"/>
             <a:r>
               <a:rPr lang="en-US" dirty="0" smtClean="0">
                 <a:sym typeface="Wingdings" panose="05000000000000000000" pitchFamily="2" charset="2"/>
